--- a/Project/Project-SBM.pptx
+++ b/Project/Project-SBM.pptx
@@ -5,7 +5,7 @@
     <p:sldMasterId id="2147483652" r:id="rId4"/>
   </p:sldMasterIdLst>
   <p:notesMasterIdLst>
-    <p:notesMasterId r:id="rId12"/>
+    <p:notesMasterId r:id="rId14"/>
   </p:notesMasterIdLst>
   <p:sldIdLst>
     <p:sldId id="256" r:id="rId5"/>
@@ -13,36 +13,38 @@
     <p:sldId id="280" r:id="rId7"/>
     <p:sldId id="279" r:id="rId8"/>
     <p:sldId id="281" r:id="rId9"/>
-    <p:sldId id="278" r:id="rId10"/>
-    <p:sldId id="276" r:id="rId11"/>
+    <p:sldId id="282" r:id="rId10"/>
+    <p:sldId id="283" r:id="rId11"/>
+    <p:sldId id="278" r:id="rId12"/>
+    <p:sldId id="276" r:id="rId13"/>
   </p:sldIdLst>
   <p:sldSz cx="9144000" cy="5143500" type="screen16x9"/>
   <p:notesSz cx="6858000" cy="9144000"/>
   <p:embeddedFontLst>
     <p:embeddedFont>
       <p:font typeface="Calibri" panose="020F0502020204030204" pitchFamily="34" charset="0"/>
-      <p:regular r:id="rId13"/>
-      <p:bold r:id="rId14"/>
-      <p:italic r:id="rId15"/>
-      <p:boldItalic r:id="rId16"/>
+      <p:regular r:id="rId15"/>
+      <p:bold r:id="rId16"/>
+      <p:italic r:id="rId17"/>
+      <p:boldItalic r:id="rId18"/>
     </p:embeddedFont>
     <p:embeddedFont>
       <p:font typeface="Digital-7 Italic" panose="02000000000000000000" pitchFamily="2" charset="0"/>
-      <p:italic r:id="rId17"/>
+      <p:italic r:id="rId19"/>
     </p:embeddedFont>
     <p:embeddedFont>
       <p:font typeface="Quattrocento Sans" panose="020B0604020202020204" charset="0"/>
-      <p:regular r:id="rId18"/>
-      <p:bold r:id="rId19"/>
-      <p:italic r:id="rId20"/>
-      <p:boldItalic r:id="rId21"/>
+      <p:regular r:id="rId20"/>
+      <p:bold r:id="rId21"/>
+      <p:italic r:id="rId22"/>
+      <p:boldItalic r:id="rId23"/>
     </p:embeddedFont>
     <p:embeddedFont>
       <p:font typeface="Segoe UI" panose="020B0502040204020203" pitchFamily="34" charset="0"/>
-      <p:regular r:id="rId22"/>
-      <p:bold r:id="rId23"/>
-      <p:italic r:id="rId24"/>
-      <p:boldItalic r:id="rId25"/>
+      <p:regular r:id="rId24"/>
+      <p:bold r:id="rId25"/>
+      <p:italic r:id="rId26"/>
+      <p:boldItalic r:id="rId27"/>
     </p:embeddedFont>
   </p:embeddedFontLst>
   <p:defaultTextStyle>
@@ -11049,6 +11051,1041 @@
 </file>
 
 <file path=ppt/slides/slide6.xml><?xml version="1.0" encoding="utf-8"?>
+<p:sld xmlns:a="http://schemas.openxmlformats.org/drawingml/2006/main" xmlns:r="http://schemas.openxmlformats.org/officeDocument/2006/relationships" xmlns:p="http://schemas.openxmlformats.org/presentationml/2006/main">
+  <p:cSld>
+    <p:spTree>
+      <p:nvGrpSpPr>
+        <p:cNvPr id="1" name=""/>
+        <p:cNvGrpSpPr/>
+        <p:nvPr/>
+      </p:nvGrpSpPr>
+      <p:grpSpPr>
+        <a:xfrm>
+          <a:off x="0" y="0"/>
+          <a:ext cx="0" cy="0"/>
+          <a:chOff x="0" y="0"/>
+          <a:chExt cx="0" cy="0"/>
+        </a:xfrm>
+      </p:grpSpPr>
+      <p:grpSp>
+        <p:nvGrpSpPr>
+          <p:cNvPr id="15" name="Group 14">
+            <a:extLst>
+              <a:ext uri="{FF2B5EF4-FFF2-40B4-BE49-F238E27FC236}">
+                <a16:creationId xmlns:a16="http://schemas.microsoft.com/office/drawing/2014/main" id="{2120C46C-7033-4EC0-86BA-CBC8632A5CA0}"/>
+              </a:ext>
+            </a:extLst>
+          </p:cNvPr>
+          <p:cNvGrpSpPr/>
+          <p:nvPr/>
+        </p:nvGrpSpPr>
+        <p:grpSpPr>
+          <a:xfrm>
+            <a:off x="25978" y="0"/>
+            <a:ext cx="9118022" cy="5143500"/>
+            <a:chOff x="25978" y="0"/>
+            <a:chExt cx="9118022" cy="5143500"/>
+          </a:xfrm>
+        </p:grpSpPr>
+        <p:pic>
+          <p:nvPicPr>
+            <p:cNvPr id="6" name="Picture 5">
+              <a:extLst>
+                <a:ext uri="{FF2B5EF4-FFF2-40B4-BE49-F238E27FC236}">
+                  <a16:creationId xmlns:a16="http://schemas.microsoft.com/office/drawing/2014/main" id="{241B434E-7FAC-49FE-A263-8519992C1CA8}"/>
+                </a:ext>
+              </a:extLst>
+            </p:cNvPr>
+            <p:cNvPicPr>
+              <a:picLocks noChangeAspect="1"/>
+            </p:cNvPicPr>
+            <p:nvPr/>
+          </p:nvPicPr>
+          <p:blipFill>
+            <a:blip r:embed="rId2"/>
+            <a:stretch>
+              <a:fillRect/>
+            </a:stretch>
+          </p:blipFill>
+          <p:spPr>
+            <a:xfrm>
+              <a:off x="25978" y="0"/>
+              <a:ext cx="9118022" cy="5143500"/>
+            </a:xfrm>
+            <a:prstGeom prst="rect">
+              <a:avLst/>
+            </a:prstGeom>
+          </p:spPr>
+        </p:pic>
+        <p:sp>
+          <p:nvSpPr>
+            <p:cNvPr id="9" name="TextBox 8">
+              <a:extLst>
+                <a:ext uri="{FF2B5EF4-FFF2-40B4-BE49-F238E27FC236}">
+                  <a16:creationId xmlns:a16="http://schemas.microsoft.com/office/drawing/2014/main" id="{C54053AC-03CC-4EF6-B343-34976DA0362A}"/>
+                </a:ext>
+              </a:extLst>
+            </p:cNvPr>
+            <p:cNvSpPr txBox="1"/>
+            <p:nvPr/>
+          </p:nvSpPr>
+          <p:spPr>
+            <a:xfrm>
+              <a:off x="750848" y="1984917"/>
+              <a:ext cx="1066318" cy="261610"/>
+            </a:xfrm>
+            <a:prstGeom prst="rect">
+              <a:avLst/>
+            </a:prstGeom>
+            <a:solidFill>
+              <a:schemeClr val="bg1"/>
+            </a:solidFill>
+          </p:spPr>
+          <p:txBody>
+            <a:bodyPr wrap="none" rtlCol="0">
+              <a:spAutoFit/>
+            </a:bodyPr>
+            <a:lstStyle/>
+            <a:p>
+              <a:r>
+                <a:rPr lang="en-US" sz="1100" dirty="0">
+                  <a:latin typeface="Segoe UI" panose="020B0502040204020203" pitchFamily="34" charset="0"/>
+                  <a:cs typeface="Segoe UI" panose="020B0502040204020203" pitchFamily="34" charset="0"/>
+                </a:rPr>
+                <a:t>Arduino Nano</a:t>
+              </a:r>
+            </a:p>
+          </p:txBody>
+        </p:sp>
+        <p:sp>
+          <p:nvSpPr>
+            <p:cNvPr id="10" name="TextBox 9">
+              <a:extLst>
+                <a:ext uri="{FF2B5EF4-FFF2-40B4-BE49-F238E27FC236}">
+                  <a16:creationId xmlns:a16="http://schemas.microsoft.com/office/drawing/2014/main" id="{AC6A5C32-3B02-4552-9BF9-983A2A14117C}"/>
+                </a:ext>
+              </a:extLst>
+            </p:cNvPr>
+            <p:cNvSpPr txBox="1"/>
+            <p:nvPr/>
+          </p:nvSpPr>
+          <p:spPr>
+            <a:xfrm>
+              <a:off x="2865864" y="3876908"/>
+              <a:ext cx="764953" cy="261610"/>
+            </a:xfrm>
+            <a:prstGeom prst="rect">
+              <a:avLst/>
+            </a:prstGeom>
+            <a:solidFill>
+              <a:schemeClr val="bg1"/>
+            </a:solidFill>
+          </p:spPr>
+          <p:txBody>
+            <a:bodyPr wrap="none" rtlCol="0">
+              <a:spAutoFit/>
+            </a:bodyPr>
+            <a:lstStyle/>
+            <a:p>
+              <a:r>
+                <a:rPr lang="en-US" sz="1100" dirty="0">
+                  <a:latin typeface="Segoe UI" panose="020B0502040204020203" pitchFamily="34" charset="0"/>
+                  <a:cs typeface="Segoe UI" panose="020B0502040204020203" pitchFamily="34" charset="0"/>
+                </a:rPr>
+                <a:t>OLED I2C</a:t>
+              </a:r>
+            </a:p>
+          </p:txBody>
+        </p:sp>
+        <p:sp>
+          <p:nvSpPr>
+            <p:cNvPr id="11" name="TextBox 10">
+              <a:extLst>
+                <a:ext uri="{FF2B5EF4-FFF2-40B4-BE49-F238E27FC236}">
+                  <a16:creationId xmlns:a16="http://schemas.microsoft.com/office/drawing/2014/main" id="{76ECA7A1-71D2-45CF-9119-77E0125DA149}"/>
+                </a:ext>
+              </a:extLst>
+            </p:cNvPr>
+            <p:cNvSpPr txBox="1"/>
+            <p:nvPr/>
+          </p:nvSpPr>
+          <p:spPr>
+            <a:xfrm>
+              <a:off x="4668644" y="0"/>
+              <a:ext cx="968535" cy="261610"/>
+            </a:xfrm>
+            <a:prstGeom prst="rect">
+              <a:avLst/>
+            </a:prstGeom>
+            <a:solidFill>
+              <a:schemeClr val="bg1"/>
+            </a:solidFill>
+          </p:spPr>
+          <p:txBody>
+            <a:bodyPr wrap="none" rtlCol="0">
+              <a:spAutoFit/>
+            </a:bodyPr>
+            <a:lstStyle/>
+            <a:p>
+              <a:r>
+                <a:rPr lang="en-US" sz="1100" dirty="0">
+                  <a:latin typeface="Segoe UI" panose="020B0502040204020203" pitchFamily="34" charset="0"/>
+                  <a:cs typeface="Segoe UI" panose="020B0502040204020203" pitchFamily="34" charset="0"/>
+                </a:rPr>
+                <a:t>Piezo Buzzer</a:t>
+              </a:r>
+            </a:p>
+          </p:txBody>
+        </p:sp>
+        <p:sp>
+          <p:nvSpPr>
+            <p:cNvPr id="12" name="TextBox 11">
+              <a:extLst>
+                <a:ext uri="{FF2B5EF4-FFF2-40B4-BE49-F238E27FC236}">
+                  <a16:creationId xmlns:a16="http://schemas.microsoft.com/office/drawing/2014/main" id="{D6B2AF43-70F0-46EE-8086-CF53C154A7FA}"/>
+                </a:ext>
+              </a:extLst>
+            </p:cNvPr>
+            <p:cNvSpPr txBox="1"/>
+            <p:nvPr/>
+          </p:nvSpPr>
+          <p:spPr>
+            <a:xfrm>
+              <a:off x="6939776" y="0"/>
+              <a:ext cx="1271502" cy="261610"/>
+            </a:xfrm>
+            <a:prstGeom prst="rect">
+              <a:avLst/>
+            </a:prstGeom>
+            <a:solidFill>
+              <a:schemeClr val="bg1"/>
+            </a:solidFill>
+          </p:spPr>
+          <p:txBody>
+            <a:bodyPr wrap="none" rtlCol="0">
+              <a:spAutoFit/>
+            </a:bodyPr>
+            <a:lstStyle/>
+            <a:p>
+              <a:r>
+                <a:rPr lang="en-US" sz="1100" dirty="0">
+                  <a:latin typeface="Segoe UI" panose="020B0502040204020203" pitchFamily="34" charset="0"/>
+                  <a:cs typeface="Segoe UI" panose="020B0502040204020203" pitchFamily="34" charset="0"/>
+                </a:rPr>
+                <a:t>Sensor </a:t>
+              </a:r>
+              <a:r>
+                <a:rPr lang="en-US" sz="1100" dirty="0" err="1">
+                  <a:latin typeface="Segoe UI" panose="020B0502040204020203" pitchFamily="34" charset="0"/>
+                  <a:cs typeface="Segoe UI" panose="020B0502040204020203" pitchFamily="34" charset="0"/>
+                </a:rPr>
+                <a:t>Ultrasonik</a:t>
+              </a:r>
+              <a:endParaRPr lang="en-US" sz="1100" dirty="0">
+                <a:latin typeface="Segoe UI" panose="020B0502040204020203" pitchFamily="34" charset="0"/>
+                <a:cs typeface="Segoe UI" panose="020B0502040204020203" pitchFamily="34" charset="0"/>
+              </a:endParaRPr>
+            </a:p>
+          </p:txBody>
+        </p:sp>
+        <p:sp>
+          <p:nvSpPr>
+            <p:cNvPr id="13" name="TextBox 12">
+              <a:extLst>
+                <a:ext uri="{FF2B5EF4-FFF2-40B4-BE49-F238E27FC236}">
+                  <a16:creationId xmlns:a16="http://schemas.microsoft.com/office/drawing/2014/main" id="{3A7D51B6-04C0-47AC-A007-51711FA9ABE0}"/>
+                </a:ext>
+              </a:extLst>
+            </p:cNvPr>
+            <p:cNvSpPr txBox="1"/>
+            <p:nvPr/>
+          </p:nvSpPr>
+          <p:spPr>
+            <a:xfrm>
+              <a:off x="6145969" y="992458"/>
+              <a:ext cx="793807" cy="261610"/>
+            </a:xfrm>
+            <a:prstGeom prst="rect">
+              <a:avLst/>
+            </a:prstGeom>
+            <a:solidFill>
+              <a:schemeClr val="bg1"/>
+            </a:solidFill>
+          </p:spPr>
+          <p:txBody>
+            <a:bodyPr wrap="none" rtlCol="0">
+              <a:spAutoFit/>
+            </a:bodyPr>
+            <a:lstStyle/>
+            <a:p>
+              <a:r>
+                <a:rPr lang="en-US" sz="1100" dirty="0">
+                  <a:latin typeface="Segoe UI" panose="020B0502040204020203" pitchFamily="34" charset="0"/>
+                  <a:cs typeface="Segoe UI" panose="020B0502040204020203" pitchFamily="34" charset="0"/>
+                </a:rPr>
+                <a:t>Transistor</a:t>
+              </a:r>
+            </a:p>
+          </p:txBody>
+        </p:sp>
+        <p:sp>
+          <p:nvSpPr>
+            <p:cNvPr id="14" name="TextBox 13">
+              <a:extLst>
+                <a:ext uri="{FF2B5EF4-FFF2-40B4-BE49-F238E27FC236}">
+                  <a16:creationId xmlns:a16="http://schemas.microsoft.com/office/drawing/2014/main" id="{EA488E60-1083-42A3-8A02-2C14BA939B8A}"/>
+                </a:ext>
+              </a:extLst>
+            </p:cNvPr>
+            <p:cNvSpPr txBox="1"/>
+            <p:nvPr/>
+          </p:nvSpPr>
+          <p:spPr>
+            <a:xfrm>
+              <a:off x="3266211" y="539682"/>
+              <a:ext cx="481222" cy="261610"/>
+            </a:xfrm>
+            <a:prstGeom prst="rect">
+              <a:avLst/>
+            </a:prstGeom>
+            <a:solidFill>
+              <a:schemeClr val="bg1"/>
+            </a:solidFill>
+          </p:spPr>
+          <p:txBody>
+            <a:bodyPr wrap="none" rtlCol="0">
+              <a:spAutoFit/>
+            </a:bodyPr>
+            <a:lstStyle/>
+            <a:p>
+              <a:r>
+                <a:rPr lang="en-US" sz="1100" dirty="0">
+                  <a:latin typeface="Segoe UI" panose="020B0502040204020203" pitchFamily="34" charset="0"/>
+                  <a:cs typeface="Segoe UI" panose="020B0502040204020203" pitchFamily="34" charset="0"/>
+                </a:rPr>
+                <a:t>LEDs</a:t>
+              </a:r>
+            </a:p>
+          </p:txBody>
+        </p:sp>
+      </p:grpSp>
+    </p:spTree>
+    <p:extLst>
+      <p:ext uri="{BB962C8B-B14F-4D97-AF65-F5344CB8AC3E}">
+        <p14:creationId xmlns:p14="http://schemas.microsoft.com/office/powerpoint/2010/main" val="963732941"/>
+      </p:ext>
+    </p:extLst>
+  </p:cSld>
+  <p:clrMapOvr>
+    <a:masterClrMapping/>
+  </p:clrMapOvr>
+</p:sld>
+</file>
+
+<file path=ppt/slides/slide7.xml><?xml version="1.0" encoding="utf-8"?>
+<p:sld xmlns:a="http://schemas.openxmlformats.org/drawingml/2006/main" xmlns:r="http://schemas.openxmlformats.org/officeDocument/2006/relationships" xmlns:p="http://schemas.openxmlformats.org/presentationml/2006/main">
+  <p:cSld>
+    <p:spTree>
+      <p:nvGrpSpPr>
+        <p:cNvPr id="1" name=""/>
+        <p:cNvGrpSpPr/>
+        <p:nvPr/>
+      </p:nvGrpSpPr>
+      <p:grpSpPr>
+        <a:xfrm>
+          <a:off x="0" y="0"/>
+          <a:ext cx="0" cy="0"/>
+          <a:chOff x="0" y="0"/>
+          <a:chExt cx="0" cy="0"/>
+        </a:xfrm>
+      </p:grpSpPr>
+      <p:grpSp>
+        <p:nvGrpSpPr>
+          <p:cNvPr id="29" name="Group 28">
+            <a:extLst>
+              <a:ext uri="{FF2B5EF4-FFF2-40B4-BE49-F238E27FC236}">
+                <a16:creationId xmlns:a16="http://schemas.microsoft.com/office/drawing/2014/main" id="{9729A582-7392-4FFB-B330-AC012A7A55B0}"/>
+              </a:ext>
+            </a:extLst>
+          </p:cNvPr>
+          <p:cNvGrpSpPr/>
+          <p:nvPr/>
+        </p:nvGrpSpPr>
+        <p:grpSpPr>
+          <a:xfrm>
+            <a:off x="446049" y="0"/>
+            <a:ext cx="8035465" cy="5157683"/>
+            <a:chOff x="0" y="-1"/>
+            <a:chExt cx="8035465" cy="5157683"/>
+          </a:xfrm>
+        </p:grpSpPr>
+        <p:pic>
+          <p:nvPicPr>
+            <p:cNvPr id="20" name="Picture 19">
+              <a:extLst>
+                <a:ext uri="{FF2B5EF4-FFF2-40B4-BE49-F238E27FC236}">
+                  <a16:creationId xmlns:a16="http://schemas.microsoft.com/office/drawing/2014/main" id="{B8D83DFF-139F-4A19-ADBF-939238E13DDD}"/>
+                </a:ext>
+              </a:extLst>
+            </p:cNvPr>
+            <p:cNvPicPr>
+              <a:picLocks noChangeAspect="1"/>
+            </p:cNvPicPr>
+            <p:nvPr/>
+          </p:nvPicPr>
+          <p:blipFill>
+            <a:blip r:embed="rId2"/>
+            <a:stretch>
+              <a:fillRect/>
+            </a:stretch>
+          </p:blipFill>
+          <p:spPr>
+            <a:xfrm>
+              <a:off x="0" y="-1"/>
+              <a:ext cx="7746798" cy="5157683"/>
+            </a:xfrm>
+            <a:prstGeom prst="rect">
+              <a:avLst/>
+            </a:prstGeom>
+          </p:spPr>
+        </p:pic>
+        <p:sp>
+          <p:nvSpPr>
+            <p:cNvPr id="11" name="Rectangle 10">
+              <a:extLst>
+                <a:ext uri="{FF2B5EF4-FFF2-40B4-BE49-F238E27FC236}">
+                  <a16:creationId xmlns:a16="http://schemas.microsoft.com/office/drawing/2014/main" id="{C9278250-4BB9-4267-A447-6D2A40104273}"/>
+                </a:ext>
+              </a:extLst>
+            </p:cNvPr>
+            <p:cNvSpPr/>
+            <p:nvPr/>
+          </p:nvSpPr>
+          <p:spPr>
+            <a:xfrm>
+              <a:off x="319617" y="1259417"/>
+              <a:ext cx="228600" cy="336550"/>
+            </a:xfrm>
+            <a:prstGeom prst="rect">
+              <a:avLst/>
+            </a:prstGeom>
+            <a:solidFill>
+              <a:schemeClr val="bg1"/>
+            </a:solidFill>
+            <a:ln>
+              <a:noFill/>
+            </a:ln>
+          </p:spPr>
+          <p:style>
+            <a:lnRef idx="2">
+              <a:schemeClr val="accent1">
+                <a:shade val="50000"/>
+              </a:schemeClr>
+            </a:lnRef>
+            <a:fillRef idx="1">
+              <a:schemeClr val="accent1"/>
+            </a:fillRef>
+            <a:effectRef idx="0">
+              <a:schemeClr val="accent1"/>
+            </a:effectRef>
+            <a:fontRef idx="minor">
+              <a:schemeClr val="lt1"/>
+            </a:fontRef>
+          </p:style>
+          <p:txBody>
+            <a:bodyPr rtlCol="0" anchor="ctr"/>
+            <a:lstStyle/>
+            <a:p>
+              <a:pPr algn="ctr"/>
+              <a:endParaRPr lang="en-US"/>
+            </a:p>
+          </p:txBody>
+        </p:sp>
+        <p:sp>
+          <p:nvSpPr>
+            <p:cNvPr id="12" name="TextBox 11">
+              <a:extLst>
+                <a:ext uri="{FF2B5EF4-FFF2-40B4-BE49-F238E27FC236}">
+                  <a16:creationId xmlns:a16="http://schemas.microsoft.com/office/drawing/2014/main" id="{21C55AAE-EADE-4928-9026-868D954A4628}"/>
+                </a:ext>
+              </a:extLst>
+            </p:cNvPr>
+            <p:cNvSpPr txBox="1"/>
+            <p:nvPr/>
+          </p:nvSpPr>
+          <p:spPr>
+            <a:xfrm>
+              <a:off x="215988" y="1227637"/>
+              <a:ext cx="516292" cy="200055"/>
+            </a:xfrm>
+            <a:prstGeom prst="rect">
+              <a:avLst/>
+            </a:prstGeom>
+            <a:noFill/>
+          </p:spPr>
+          <p:txBody>
+            <a:bodyPr wrap="square" rtlCol="0">
+              <a:spAutoFit/>
+            </a:bodyPr>
+            <a:lstStyle/>
+            <a:p>
+              <a:r>
+                <a:rPr lang="en-US" sz="700" dirty="0">
+                  <a:solidFill>
+                    <a:schemeClr val="bg1">
+                      <a:lumMod val="65000"/>
+                    </a:schemeClr>
+                  </a:solidFill>
+                  <a:latin typeface="Calibri" panose="020F0502020204030204" pitchFamily="34" charset="0"/>
+                  <a:cs typeface="Calibri" panose="020F0502020204030204" pitchFamily="34" charset="0"/>
+                </a:rPr>
+                <a:t>1/SDA</a:t>
+              </a:r>
+            </a:p>
+          </p:txBody>
+        </p:sp>
+        <p:sp>
+          <p:nvSpPr>
+            <p:cNvPr id="13" name="TextBox 12">
+              <a:extLst>
+                <a:ext uri="{FF2B5EF4-FFF2-40B4-BE49-F238E27FC236}">
+                  <a16:creationId xmlns:a16="http://schemas.microsoft.com/office/drawing/2014/main" id="{FEE0819D-4D2B-410C-ACE1-7290010CC729}"/>
+                </a:ext>
+              </a:extLst>
+            </p:cNvPr>
+            <p:cNvSpPr txBox="1"/>
+            <p:nvPr/>
+          </p:nvSpPr>
+          <p:spPr>
+            <a:xfrm>
+              <a:off x="234951" y="1405437"/>
+              <a:ext cx="516292" cy="200055"/>
+            </a:xfrm>
+            <a:prstGeom prst="rect">
+              <a:avLst/>
+            </a:prstGeom>
+            <a:noFill/>
+          </p:spPr>
+          <p:txBody>
+            <a:bodyPr wrap="square" rtlCol="0">
+              <a:spAutoFit/>
+            </a:bodyPr>
+            <a:lstStyle/>
+            <a:p>
+              <a:r>
+                <a:rPr lang="en-US" sz="700" dirty="0">
+                  <a:solidFill>
+                    <a:schemeClr val="bg1">
+                      <a:lumMod val="65000"/>
+                    </a:schemeClr>
+                  </a:solidFill>
+                  <a:latin typeface="Calibri" panose="020F0502020204030204" pitchFamily="34" charset="0"/>
+                  <a:cs typeface="Calibri" panose="020F0502020204030204" pitchFamily="34" charset="0"/>
+                </a:rPr>
+                <a:t>0/SLC</a:t>
+              </a:r>
+            </a:p>
+          </p:txBody>
+        </p:sp>
+        <p:sp>
+          <p:nvSpPr>
+            <p:cNvPr id="14" name="TextBox 13">
+              <a:extLst>
+                <a:ext uri="{FF2B5EF4-FFF2-40B4-BE49-F238E27FC236}">
+                  <a16:creationId xmlns:a16="http://schemas.microsoft.com/office/drawing/2014/main" id="{9309C9B6-A899-4F19-B8FE-F13D17C2FF84}"/>
+                </a:ext>
+              </a:extLst>
+            </p:cNvPr>
+            <p:cNvSpPr txBox="1"/>
+            <p:nvPr/>
+          </p:nvSpPr>
+          <p:spPr>
+            <a:xfrm>
+              <a:off x="2127250" y="2493630"/>
+              <a:ext cx="683683" cy="200055"/>
+            </a:xfrm>
+            <a:prstGeom prst="rect">
+              <a:avLst/>
+            </a:prstGeom>
+            <a:noFill/>
+          </p:spPr>
+          <p:txBody>
+            <a:bodyPr wrap="square" rtlCol="0">
+              <a:spAutoFit/>
+            </a:bodyPr>
+            <a:lstStyle/>
+            <a:p>
+              <a:r>
+                <a:rPr lang="en-US" sz="700" dirty="0">
+                  <a:solidFill>
+                    <a:schemeClr val="bg1">
+                      <a:lumMod val="65000"/>
+                    </a:schemeClr>
+                  </a:solidFill>
+                  <a:latin typeface="Calibri" panose="020F0502020204030204" pitchFamily="34" charset="0"/>
+                  <a:cs typeface="Calibri" panose="020F0502020204030204" pitchFamily="34" charset="0"/>
+                </a:rPr>
+                <a:t>/PC4/SDA</a:t>
+              </a:r>
+            </a:p>
+          </p:txBody>
+        </p:sp>
+        <p:sp>
+          <p:nvSpPr>
+            <p:cNvPr id="15" name="TextBox 14">
+              <a:extLst>
+                <a:ext uri="{FF2B5EF4-FFF2-40B4-BE49-F238E27FC236}">
+                  <a16:creationId xmlns:a16="http://schemas.microsoft.com/office/drawing/2014/main" id="{E1BFA710-9FAF-4139-AAF8-3081E7837F5D}"/>
+                </a:ext>
+              </a:extLst>
+            </p:cNvPr>
+            <p:cNvSpPr txBox="1"/>
+            <p:nvPr/>
+          </p:nvSpPr>
+          <p:spPr>
+            <a:xfrm>
+              <a:off x="2127250" y="2684152"/>
+              <a:ext cx="683683" cy="200055"/>
+            </a:xfrm>
+            <a:prstGeom prst="rect">
+              <a:avLst/>
+            </a:prstGeom>
+            <a:noFill/>
+          </p:spPr>
+          <p:txBody>
+            <a:bodyPr wrap="square" rtlCol="0">
+              <a:spAutoFit/>
+            </a:bodyPr>
+            <a:lstStyle/>
+            <a:p>
+              <a:r>
+                <a:rPr lang="en-US" sz="700" dirty="0">
+                  <a:solidFill>
+                    <a:schemeClr val="bg1">
+                      <a:lumMod val="65000"/>
+                    </a:schemeClr>
+                  </a:solidFill>
+                  <a:latin typeface="Calibri" panose="020F0502020204030204" pitchFamily="34" charset="0"/>
+                  <a:cs typeface="Calibri" panose="020F0502020204030204" pitchFamily="34" charset="0"/>
+                </a:rPr>
+                <a:t>/PC5/SLC</a:t>
+              </a:r>
+            </a:p>
+          </p:txBody>
+        </p:sp>
+        <p:sp>
+          <p:nvSpPr>
+            <p:cNvPr id="16" name="TextBox 15">
+              <a:extLst>
+                <a:ext uri="{FF2B5EF4-FFF2-40B4-BE49-F238E27FC236}">
+                  <a16:creationId xmlns:a16="http://schemas.microsoft.com/office/drawing/2014/main" id="{446D3EAB-0D8D-432F-8696-1567E70D5C39}"/>
+                </a:ext>
+              </a:extLst>
+            </p:cNvPr>
+            <p:cNvSpPr txBox="1"/>
+            <p:nvPr/>
+          </p:nvSpPr>
+          <p:spPr>
+            <a:xfrm>
+              <a:off x="2774950" y="3063358"/>
+              <a:ext cx="683683" cy="200055"/>
+            </a:xfrm>
+            <a:prstGeom prst="rect">
+              <a:avLst/>
+            </a:prstGeom>
+            <a:noFill/>
+          </p:spPr>
+          <p:txBody>
+            <a:bodyPr wrap="square" rtlCol="0">
+              <a:spAutoFit/>
+            </a:bodyPr>
+            <a:lstStyle/>
+            <a:p>
+              <a:pPr algn="r"/>
+              <a:r>
+                <a:rPr lang="en-US" sz="700" dirty="0">
+                  <a:solidFill>
+                    <a:schemeClr val="bg1">
+                      <a:lumMod val="65000"/>
+                    </a:schemeClr>
+                  </a:solidFill>
+                  <a:latin typeface="Calibri" panose="020F0502020204030204" pitchFamily="34" charset="0"/>
+                  <a:cs typeface="Calibri" panose="020F0502020204030204" pitchFamily="34" charset="0"/>
+                </a:rPr>
+                <a:t>INT1/PD3/</a:t>
+              </a:r>
+            </a:p>
+          </p:txBody>
+        </p:sp>
+        <p:sp>
+          <p:nvSpPr>
+            <p:cNvPr id="21" name="TextBox 20">
+              <a:extLst>
+                <a:ext uri="{FF2B5EF4-FFF2-40B4-BE49-F238E27FC236}">
+                  <a16:creationId xmlns:a16="http://schemas.microsoft.com/office/drawing/2014/main" id="{0790BEA0-62FE-42D5-B140-70147423DF17}"/>
+                </a:ext>
+              </a:extLst>
+            </p:cNvPr>
+            <p:cNvSpPr txBox="1"/>
+            <p:nvPr/>
+          </p:nvSpPr>
+          <p:spPr>
+            <a:xfrm>
+              <a:off x="2750608" y="2873216"/>
+              <a:ext cx="683683" cy="200055"/>
+            </a:xfrm>
+            <a:prstGeom prst="rect">
+              <a:avLst/>
+            </a:prstGeom>
+            <a:noFill/>
+          </p:spPr>
+          <p:txBody>
+            <a:bodyPr wrap="square" rtlCol="0">
+              <a:spAutoFit/>
+            </a:bodyPr>
+            <a:lstStyle/>
+            <a:p>
+              <a:pPr algn="r"/>
+              <a:r>
+                <a:rPr lang="en-US" sz="700" dirty="0">
+                  <a:solidFill>
+                    <a:schemeClr val="bg1">
+                      <a:lumMod val="65000"/>
+                    </a:schemeClr>
+                  </a:solidFill>
+                  <a:latin typeface="Calibri" panose="020F0502020204030204" pitchFamily="34" charset="0"/>
+                  <a:cs typeface="Calibri" panose="020F0502020204030204" pitchFamily="34" charset="0"/>
+                </a:rPr>
+                <a:t>T0/PD4/</a:t>
+              </a:r>
+            </a:p>
+          </p:txBody>
+        </p:sp>
+        <p:sp>
+          <p:nvSpPr>
+            <p:cNvPr id="22" name="TextBox 21">
+              <a:extLst>
+                <a:ext uri="{FF2B5EF4-FFF2-40B4-BE49-F238E27FC236}">
+                  <a16:creationId xmlns:a16="http://schemas.microsoft.com/office/drawing/2014/main" id="{1C6065E6-C0B0-4B50-BF9C-09FE0B614CBB}"/>
+                </a:ext>
+              </a:extLst>
+            </p:cNvPr>
+            <p:cNvSpPr txBox="1"/>
+            <p:nvPr/>
+          </p:nvSpPr>
+          <p:spPr>
+            <a:xfrm>
+              <a:off x="2774950" y="2684151"/>
+              <a:ext cx="683683" cy="200055"/>
+            </a:xfrm>
+            <a:prstGeom prst="rect">
+              <a:avLst/>
+            </a:prstGeom>
+            <a:noFill/>
+          </p:spPr>
+          <p:txBody>
+            <a:bodyPr wrap="square" rtlCol="0">
+              <a:spAutoFit/>
+            </a:bodyPr>
+            <a:lstStyle/>
+            <a:p>
+              <a:pPr algn="r"/>
+              <a:r>
+                <a:rPr lang="en-US" sz="700" dirty="0">
+                  <a:solidFill>
+                    <a:schemeClr val="bg1">
+                      <a:lumMod val="65000"/>
+                    </a:schemeClr>
+                  </a:solidFill>
+                  <a:latin typeface="Calibri" panose="020F0502020204030204" pitchFamily="34" charset="0"/>
+                  <a:cs typeface="Calibri" panose="020F0502020204030204" pitchFamily="34" charset="0"/>
+                </a:rPr>
+                <a:t>T1/PD5/</a:t>
+              </a:r>
+            </a:p>
+          </p:txBody>
+        </p:sp>
+        <p:sp>
+          <p:nvSpPr>
+            <p:cNvPr id="23" name="TextBox 22">
+              <a:extLst>
+                <a:ext uri="{FF2B5EF4-FFF2-40B4-BE49-F238E27FC236}">
+                  <a16:creationId xmlns:a16="http://schemas.microsoft.com/office/drawing/2014/main" id="{E9619A92-4722-4E1D-BE6D-5E4938C1FBA8}"/>
+                </a:ext>
+              </a:extLst>
+            </p:cNvPr>
+            <p:cNvSpPr txBox="1"/>
+            <p:nvPr/>
+          </p:nvSpPr>
+          <p:spPr>
+            <a:xfrm>
+              <a:off x="2760133" y="2501824"/>
+              <a:ext cx="683683" cy="200055"/>
+            </a:xfrm>
+            <a:prstGeom prst="rect">
+              <a:avLst/>
+            </a:prstGeom>
+            <a:noFill/>
+          </p:spPr>
+          <p:txBody>
+            <a:bodyPr wrap="square" rtlCol="0">
+              <a:spAutoFit/>
+            </a:bodyPr>
+            <a:lstStyle/>
+            <a:p>
+              <a:pPr algn="r"/>
+              <a:r>
+                <a:rPr lang="en-US" sz="700" dirty="0">
+                  <a:solidFill>
+                    <a:schemeClr val="bg1">
+                      <a:lumMod val="65000"/>
+                    </a:schemeClr>
+                  </a:solidFill>
+                  <a:latin typeface="Calibri" panose="020F0502020204030204" pitchFamily="34" charset="0"/>
+                  <a:cs typeface="Calibri" panose="020F0502020204030204" pitchFamily="34" charset="0"/>
+                </a:rPr>
+                <a:t>PD6/</a:t>
+              </a:r>
+            </a:p>
+          </p:txBody>
+        </p:sp>
+        <p:sp>
+          <p:nvSpPr>
+            <p:cNvPr id="24" name="TextBox 23">
+              <a:extLst>
+                <a:ext uri="{FF2B5EF4-FFF2-40B4-BE49-F238E27FC236}">
+                  <a16:creationId xmlns:a16="http://schemas.microsoft.com/office/drawing/2014/main" id="{5302D06B-7AE2-4A74-8F7A-32A2E05C02A6}"/>
+                </a:ext>
+              </a:extLst>
+            </p:cNvPr>
+            <p:cNvSpPr txBox="1"/>
+            <p:nvPr/>
+          </p:nvSpPr>
+          <p:spPr>
+            <a:xfrm>
+              <a:off x="2760133" y="2319497"/>
+              <a:ext cx="683683" cy="200055"/>
+            </a:xfrm>
+            <a:prstGeom prst="rect">
+              <a:avLst/>
+            </a:prstGeom>
+            <a:noFill/>
+          </p:spPr>
+          <p:txBody>
+            <a:bodyPr wrap="square" rtlCol="0">
+              <a:spAutoFit/>
+            </a:bodyPr>
+            <a:lstStyle/>
+            <a:p>
+              <a:pPr algn="r"/>
+              <a:r>
+                <a:rPr lang="en-US" sz="700" dirty="0">
+                  <a:solidFill>
+                    <a:schemeClr val="bg1">
+                      <a:lumMod val="65000"/>
+                    </a:schemeClr>
+                  </a:solidFill>
+                  <a:latin typeface="Calibri" panose="020F0502020204030204" pitchFamily="34" charset="0"/>
+                  <a:cs typeface="Calibri" panose="020F0502020204030204" pitchFamily="34" charset="0"/>
+                </a:rPr>
+                <a:t>PD7/</a:t>
+              </a:r>
+            </a:p>
+          </p:txBody>
+        </p:sp>
+        <p:sp>
+          <p:nvSpPr>
+            <p:cNvPr id="25" name="TextBox 24">
+              <a:extLst>
+                <a:ext uri="{FF2B5EF4-FFF2-40B4-BE49-F238E27FC236}">
+                  <a16:creationId xmlns:a16="http://schemas.microsoft.com/office/drawing/2014/main" id="{85355B68-1BE2-4FBC-9A89-7E23C863BE15}"/>
+                </a:ext>
+              </a:extLst>
+            </p:cNvPr>
+            <p:cNvSpPr txBox="1"/>
+            <p:nvPr/>
+          </p:nvSpPr>
+          <p:spPr>
+            <a:xfrm>
+              <a:off x="2770716" y="2128975"/>
+              <a:ext cx="683683" cy="200055"/>
+            </a:xfrm>
+            <a:prstGeom prst="rect">
+              <a:avLst/>
+            </a:prstGeom>
+            <a:noFill/>
+          </p:spPr>
+          <p:txBody>
+            <a:bodyPr wrap="square" rtlCol="0">
+              <a:spAutoFit/>
+            </a:bodyPr>
+            <a:lstStyle/>
+            <a:p>
+              <a:pPr algn="r"/>
+              <a:r>
+                <a:rPr lang="en-US" sz="700" dirty="0">
+                  <a:solidFill>
+                    <a:schemeClr val="bg1">
+                      <a:lumMod val="65000"/>
+                    </a:schemeClr>
+                  </a:solidFill>
+                  <a:latin typeface="Calibri" panose="020F0502020204030204" pitchFamily="34" charset="0"/>
+                  <a:cs typeface="Calibri" panose="020F0502020204030204" pitchFamily="34" charset="0"/>
+                </a:rPr>
+                <a:t>PD8/</a:t>
+              </a:r>
+            </a:p>
+          </p:txBody>
+        </p:sp>
+        <p:sp>
+          <p:nvSpPr>
+            <p:cNvPr id="26" name="TextBox 25">
+              <a:extLst>
+                <a:ext uri="{FF2B5EF4-FFF2-40B4-BE49-F238E27FC236}">
+                  <a16:creationId xmlns:a16="http://schemas.microsoft.com/office/drawing/2014/main" id="{C3F66FD2-DDBE-4FE4-8120-7D1A5ED4EE07}"/>
+                </a:ext>
+              </a:extLst>
+            </p:cNvPr>
+            <p:cNvSpPr txBox="1"/>
+            <p:nvPr/>
+          </p:nvSpPr>
+          <p:spPr>
+            <a:xfrm>
+              <a:off x="4572000" y="0"/>
+              <a:ext cx="1186543" cy="261610"/>
+            </a:xfrm>
+            <a:prstGeom prst="rect">
+              <a:avLst/>
+            </a:prstGeom>
+            <a:noFill/>
+          </p:spPr>
+          <p:txBody>
+            <a:bodyPr wrap="none" rtlCol="0">
+              <a:spAutoFit/>
+            </a:bodyPr>
+            <a:lstStyle/>
+            <a:p>
+              <a:r>
+                <a:rPr lang="en-US" sz="1100" dirty="0">
+                  <a:latin typeface="Calibri" panose="020F0502020204030204" pitchFamily="34" charset="0"/>
+                  <a:cs typeface="Calibri" panose="020F0502020204030204" pitchFamily="34" charset="0"/>
+                </a:rPr>
+                <a:t>Sensor </a:t>
+              </a:r>
+              <a:r>
+                <a:rPr lang="en-US" sz="1100" dirty="0" err="1">
+                  <a:latin typeface="Calibri" panose="020F0502020204030204" pitchFamily="34" charset="0"/>
+                  <a:cs typeface="Calibri" panose="020F0502020204030204" pitchFamily="34" charset="0"/>
+                </a:rPr>
+                <a:t>Ultrasonik</a:t>
+              </a:r>
+              <a:endParaRPr lang="en-US" sz="1100" dirty="0">
+                <a:latin typeface="Calibri" panose="020F0502020204030204" pitchFamily="34" charset="0"/>
+                <a:cs typeface="Calibri" panose="020F0502020204030204" pitchFamily="34" charset="0"/>
+              </a:endParaRPr>
+            </a:p>
+          </p:txBody>
+        </p:sp>
+        <p:sp>
+          <p:nvSpPr>
+            <p:cNvPr id="27" name="TextBox 26">
+              <a:extLst>
+                <a:ext uri="{FF2B5EF4-FFF2-40B4-BE49-F238E27FC236}">
+                  <a16:creationId xmlns:a16="http://schemas.microsoft.com/office/drawing/2014/main" id="{CF561A20-D609-47C8-BE10-C533917A5989}"/>
+                </a:ext>
+              </a:extLst>
+            </p:cNvPr>
+            <p:cNvSpPr txBox="1"/>
+            <p:nvPr/>
+          </p:nvSpPr>
+          <p:spPr>
+            <a:xfrm>
+              <a:off x="7131050" y="736600"/>
+              <a:ext cx="904415" cy="261610"/>
+            </a:xfrm>
+            <a:prstGeom prst="rect">
+              <a:avLst/>
+            </a:prstGeom>
+            <a:noFill/>
+          </p:spPr>
+          <p:txBody>
+            <a:bodyPr wrap="none" rtlCol="0">
+              <a:spAutoFit/>
+            </a:bodyPr>
+            <a:lstStyle/>
+            <a:p>
+              <a:r>
+                <a:rPr lang="en-US" sz="1100" dirty="0">
+                  <a:latin typeface="Calibri" panose="020F0502020204030204" pitchFamily="34" charset="0"/>
+                  <a:cs typeface="Calibri" panose="020F0502020204030204" pitchFamily="34" charset="0"/>
+                </a:rPr>
+                <a:t>Piezo Buzzer</a:t>
+              </a:r>
+            </a:p>
+          </p:txBody>
+        </p:sp>
+        <p:sp>
+          <p:nvSpPr>
+            <p:cNvPr id="28" name="TextBox 27">
+              <a:extLst>
+                <a:ext uri="{FF2B5EF4-FFF2-40B4-BE49-F238E27FC236}">
+                  <a16:creationId xmlns:a16="http://schemas.microsoft.com/office/drawing/2014/main" id="{877D9F51-0D58-4987-BDC0-6ACCBF8F663F}"/>
+                </a:ext>
+              </a:extLst>
+            </p:cNvPr>
+            <p:cNvSpPr txBox="1"/>
+            <p:nvPr/>
+          </p:nvSpPr>
+          <p:spPr>
+            <a:xfrm>
+              <a:off x="6824892" y="3688203"/>
+              <a:ext cx="840295" cy="430887"/>
+            </a:xfrm>
+            <a:prstGeom prst="rect">
+              <a:avLst/>
+            </a:prstGeom>
+            <a:noFill/>
+          </p:spPr>
+          <p:txBody>
+            <a:bodyPr wrap="none" rtlCol="0">
+              <a:spAutoFit/>
+            </a:bodyPr>
+            <a:lstStyle/>
+            <a:p>
+              <a:r>
+                <a:rPr lang="en-US" sz="1100" dirty="0">
+                  <a:latin typeface="Calibri" panose="020F0502020204030204" pitchFamily="34" charset="0"/>
+                  <a:cs typeface="Calibri" panose="020F0502020204030204" pitchFamily="34" charset="0"/>
+                </a:rPr>
+                <a:t>Transistor</a:t>
+              </a:r>
+            </a:p>
+            <a:p>
+              <a:r>
+                <a:rPr lang="en-US" sz="1100" dirty="0">
+                  <a:latin typeface="Calibri" panose="020F0502020204030204" pitchFamily="34" charset="0"/>
+                  <a:cs typeface="Calibri" panose="020F0502020204030204" pitchFamily="34" charset="0"/>
+                </a:rPr>
+                <a:t>NPN BC337</a:t>
+              </a:r>
+            </a:p>
+          </p:txBody>
+        </p:sp>
+      </p:grpSp>
+    </p:spTree>
+    <p:extLst>
+      <p:ext uri="{BB962C8B-B14F-4D97-AF65-F5344CB8AC3E}">
+        <p14:creationId xmlns:p14="http://schemas.microsoft.com/office/powerpoint/2010/main" val="1785666217"/>
+      </p:ext>
+    </p:extLst>
+  </p:cSld>
+  <p:clrMapOvr>
+    <a:masterClrMapping/>
+  </p:clrMapOvr>
+</p:sld>
+</file>
+
+<file path=ppt/slides/slide8.xml><?xml version="1.0" encoding="utf-8"?>
 <p:sld xmlns:a="http://schemas.openxmlformats.org/drawingml/2006/main" xmlns:r="http://schemas.openxmlformats.org/officeDocument/2006/relationships" xmlns:p="http://schemas.openxmlformats.org/presentationml/2006/main" show="0">
   <p:cSld>
     <p:spTree>
@@ -11264,7 +12301,7 @@
 </p:sld>
 </file>
 
-<file path=ppt/slides/slide7.xml><?xml version="1.0" encoding="utf-8"?>
+<file path=ppt/slides/slide9.xml><?xml version="1.0" encoding="utf-8"?>
 <p:sld xmlns:a="http://schemas.openxmlformats.org/drawingml/2006/main" xmlns:r="http://schemas.openxmlformats.org/officeDocument/2006/relationships" xmlns:p="http://schemas.openxmlformats.org/presentationml/2006/main" show="0">
   <p:cSld>
     <p:spTree>
@@ -12056,18 +13093,18 @@
 </file>
 
 <file path=customXml/item1.xml><?xml version="1.0" encoding="utf-8"?>
-<p:properties xmlns:p="http://schemas.microsoft.com/office/2006/metadata/properties" xmlns:xsi="http://www.w3.org/2001/XMLSchema-instance" xmlns:pc="http://schemas.microsoft.com/office/infopath/2007/PartnerControls">
-  <documentManagement/>
-</p:properties>
-</file>
-
-<file path=customXml/item2.xml><?xml version="1.0" encoding="utf-8"?>
 <?mso-contentType ?>
 <FormTemplates xmlns="http://schemas.microsoft.com/sharepoint/v3/contenttype/forms">
   <Display>DocumentLibraryForm</Display>
   <Edit>DocumentLibraryForm</Edit>
   <New>DocumentLibraryForm</New>
 </FormTemplates>
+</file>
+
+<file path=customXml/item2.xml><?xml version="1.0" encoding="utf-8"?>
+<p:properties xmlns:p="http://schemas.microsoft.com/office/2006/metadata/properties" xmlns:xsi="http://www.w3.org/2001/XMLSchema-instance" xmlns:pc="http://schemas.microsoft.com/office/infopath/2007/PartnerControls">
+  <documentManagement/>
+</p:properties>
 </file>
 
 <file path=customXml/item3.xml><?xml version="1.0" encoding="utf-8"?>
@@ -12185,18 +13222,18 @@
 </file>
 
 <file path=customXml/itemProps1.xml><?xml version="1.0" encoding="utf-8"?>
-<ds:datastoreItem xmlns:ds="http://schemas.openxmlformats.org/officeDocument/2006/customXml" ds:itemID="{5E28BC5F-2E83-45BC-AA1E-614C4F70CCA2}">
+<ds:datastoreItem xmlns:ds="http://schemas.openxmlformats.org/officeDocument/2006/customXml" ds:itemID="{8DFBC215-6739-4777-99BD-3F0C45F728BD}">
   <ds:schemaRefs>
-    <ds:schemaRef ds:uri="http://schemas.microsoft.com/office/2006/metadata/properties"/>
-    <ds:schemaRef ds:uri="http://schemas.microsoft.com/office/infopath/2007/PartnerControls"/>
+    <ds:schemaRef ds:uri="http://schemas.microsoft.com/sharepoint/v3/contenttype/forms"/>
   </ds:schemaRefs>
 </ds:datastoreItem>
 </file>
 
 <file path=customXml/itemProps2.xml><?xml version="1.0" encoding="utf-8"?>
-<ds:datastoreItem xmlns:ds="http://schemas.openxmlformats.org/officeDocument/2006/customXml" ds:itemID="{8DFBC215-6739-4777-99BD-3F0C45F728BD}">
+<ds:datastoreItem xmlns:ds="http://schemas.openxmlformats.org/officeDocument/2006/customXml" ds:itemID="{5E28BC5F-2E83-45BC-AA1E-614C4F70CCA2}">
   <ds:schemaRefs>
-    <ds:schemaRef ds:uri="http://schemas.microsoft.com/sharepoint/v3/contenttype/forms"/>
+    <ds:schemaRef ds:uri="http://schemas.microsoft.com/office/2006/metadata/properties"/>
+    <ds:schemaRef ds:uri="http://schemas.microsoft.com/office/infopath/2007/PartnerControls"/>
   </ds:schemaRefs>
 </ds:datastoreItem>
 </file>
